--- a/2.1-SE-4352.001-AandD/Homework/Homework3/Homework3.pptx
+++ b/2.1-SE-4352.001-AandD/Homework/Homework3/Homework3.pptx
@@ -14,6 +14,8 @@
     <p:sldId id="264" r:id="rId8"/>
     <p:sldId id="262" r:id="rId9"/>
     <p:sldId id="263" r:id="rId10"/>
+    <p:sldId id="265" r:id="rId11"/>
+    <p:sldId id="266" r:id="rId12"/>
   </p:sldIdLst>
   <p:sldSz cx="12192000" cy="6858000"/>
   <p:notesSz cx="6858000" cy="9144000"/>
@@ -30209,6 +30211,463 @@
 </p:sld>
 </file>
 
+<file path=ppt/slides/slide10.xml><?xml version="1.0" encoding="utf-8"?>
+<p:sld xmlns:a="http://schemas.openxmlformats.org/drawingml/2006/main" xmlns:r="http://schemas.openxmlformats.org/officeDocument/2006/relationships" xmlns:p="http://schemas.openxmlformats.org/presentationml/2006/main">
+  <p:cSld>
+    <p:spTree>
+      <p:nvGrpSpPr>
+        <p:cNvPr id="1" name=""/>
+        <p:cNvGrpSpPr/>
+        <p:nvPr/>
+      </p:nvGrpSpPr>
+      <p:grpSpPr>
+        <a:xfrm>
+          <a:off x="0" y="0"/>
+          <a:ext cx="0" cy="0"/>
+          <a:chOff x="0" y="0"/>
+          <a:chExt cx="0" cy="0"/>
+        </a:xfrm>
+      </p:grpSpPr>
+      <p:sp>
+        <p:nvSpPr>
+          <p:cNvPr id="2" name="Title 1"/>
+          <p:cNvSpPr>
+            <a:spLocks noGrp="1"/>
+          </p:cNvSpPr>
+          <p:nvPr>
+            <p:ph type="title"/>
+          </p:nvPr>
+        </p:nvSpPr>
+        <p:spPr/>
+        <p:txBody>
+          <a:bodyPr/>
+          <a:lstStyle/>
+          <a:p>
+            <a:r>
+              <a:rPr lang="en-US" dirty="0" smtClean="0"/>
+              <a:t>Contact </a:t>
+            </a:r>
+            <a:r>
+              <a:rPr lang="en-US" dirty="0" smtClean="0"/>
+              <a:t>Information</a:t>
+            </a:r>
+            <a:endParaRPr lang="en-US" dirty="0"/>
+          </a:p>
+        </p:txBody>
+      </p:sp>
+      <p:sp>
+        <p:nvSpPr>
+          <p:cNvPr id="4" name="Google Shape;246;p38"/>
+          <p:cNvSpPr txBox="1">
+            <a:spLocks/>
+          </p:cNvSpPr>
+          <p:nvPr/>
+        </p:nvSpPr>
+        <p:spPr>
+          <a:xfrm>
+            <a:off x="7047350" y="1417639"/>
+            <a:ext cx="5586824" cy="5028485"/>
+          </a:xfrm>
+          <a:prstGeom prst="rect">
+            <a:avLst/>
+          </a:prstGeom>
+          <a:noFill/>
+          <a:ln>
+            <a:noFill/>
+          </a:ln>
+        </p:spPr>
+        <p:txBody>
+          <a:bodyPr spcFirstLastPara="1" wrap="square" lIns="91425" tIns="91425" rIns="91425" bIns="91425" anchor="t" anchorCtr="0">
+            <a:noAutofit/>
+          </a:bodyPr>
+          <a:lstStyle>
+            <a:defPPr marR="0" lvl="0" algn="l" rtl="0">
+              <a:lnSpc>
+                <a:spcPct val="100000"/>
+              </a:lnSpc>
+              <a:spcBef>
+                <a:spcPts val="0"/>
+              </a:spcBef>
+              <a:spcAft>
+                <a:spcPts val="0"/>
+              </a:spcAft>
+            </a:defPPr>
+            <a:lvl1pPr marL="457200" marR="0" lvl="0" indent="-381000" algn="ctr" rtl="0">
+              <a:lnSpc>
+                <a:spcPct val="100000"/>
+              </a:lnSpc>
+              <a:spcBef>
+                <a:spcPts val="360"/>
+              </a:spcBef>
+              <a:spcAft>
+                <a:spcPts val="0"/>
+              </a:spcAft>
+              <a:buClr>
+                <a:schemeClr val="dk1"/>
+              </a:buClr>
+              <a:buSzPts val="1800"/>
+              <a:buFont typeface="Arial"/>
+              <a:buNone/>
+              <a:defRPr sz="1800" b="0" i="0" u="none" strike="noStrike" cap="none">
+                <a:solidFill>
+                  <a:schemeClr val="dk1"/>
+                </a:solidFill>
+                <a:latin typeface="Arial"/>
+                <a:ea typeface="Arial"/>
+                <a:cs typeface="Arial"/>
+                <a:sym typeface="Arial"/>
+              </a:defRPr>
+            </a:lvl1pPr>
+            <a:lvl2pPr marL="914400" marR="0" lvl="1" indent="-361950" algn="ctr" rtl="0">
+              <a:lnSpc>
+                <a:spcPct val="100000"/>
+              </a:lnSpc>
+              <a:spcBef>
+                <a:spcPts val="300"/>
+              </a:spcBef>
+              <a:spcAft>
+                <a:spcPts val="0"/>
+              </a:spcAft>
+              <a:buClr>
+                <a:schemeClr val="dk1"/>
+              </a:buClr>
+              <a:buSzPts val="1500"/>
+              <a:buFont typeface="Arial"/>
+              <a:buNone/>
+              <a:defRPr sz="1500" b="0" i="0" u="none" strike="noStrike" cap="none">
+                <a:solidFill>
+                  <a:schemeClr val="dk1"/>
+                </a:solidFill>
+                <a:latin typeface="Arial"/>
+                <a:ea typeface="Arial"/>
+                <a:cs typeface="Arial"/>
+                <a:sym typeface="Arial"/>
+              </a:defRPr>
+            </a:lvl2pPr>
+            <a:lvl3pPr marL="1371600" marR="0" lvl="2" indent="-342900" algn="ctr" rtl="0">
+              <a:lnSpc>
+                <a:spcPct val="100000"/>
+              </a:lnSpc>
+              <a:spcBef>
+                <a:spcPts val="270"/>
+              </a:spcBef>
+              <a:spcAft>
+                <a:spcPts val="0"/>
+              </a:spcAft>
+              <a:buClr>
+                <a:schemeClr val="dk1"/>
+              </a:buClr>
+              <a:buSzPts val="1350"/>
+              <a:buFont typeface="Arial"/>
+              <a:buNone/>
+              <a:defRPr sz="1350" b="0" i="0" u="none" strike="noStrike" cap="none">
+                <a:solidFill>
+                  <a:schemeClr val="dk1"/>
+                </a:solidFill>
+                <a:latin typeface="Arial"/>
+                <a:ea typeface="Arial"/>
+                <a:cs typeface="Arial"/>
+                <a:sym typeface="Arial"/>
+              </a:defRPr>
+            </a:lvl3pPr>
+            <a:lvl4pPr marL="1828800" marR="0" lvl="3" indent="-323850" algn="ctr" rtl="0">
+              <a:lnSpc>
+                <a:spcPct val="100000"/>
+              </a:lnSpc>
+              <a:spcBef>
+                <a:spcPts val="240"/>
+              </a:spcBef>
+              <a:spcAft>
+                <a:spcPts val="0"/>
+              </a:spcAft>
+              <a:buClr>
+                <a:schemeClr val="dk1"/>
+              </a:buClr>
+              <a:buSzPts val="1200"/>
+              <a:buFont typeface="Arial"/>
+              <a:buNone/>
+              <a:defRPr sz="1200" b="0" i="0" u="none" strike="noStrike" cap="none">
+                <a:solidFill>
+                  <a:schemeClr val="dk1"/>
+                </a:solidFill>
+                <a:latin typeface="Arial"/>
+                <a:ea typeface="Arial"/>
+                <a:cs typeface="Arial"/>
+                <a:sym typeface="Arial"/>
+              </a:defRPr>
+            </a:lvl4pPr>
+            <a:lvl5pPr marL="2286000" marR="0" lvl="4" indent="-323850" algn="ctr" rtl="0">
+              <a:lnSpc>
+                <a:spcPct val="100000"/>
+              </a:lnSpc>
+              <a:spcBef>
+                <a:spcPts val="240"/>
+              </a:spcBef>
+              <a:spcAft>
+                <a:spcPts val="0"/>
+              </a:spcAft>
+              <a:buClr>
+                <a:schemeClr val="dk1"/>
+              </a:buClr>
+              <a:buSzPts val="1200"/>
+              <a:buFont typeface="Arial"/>
+              <a:buNone/>
+              <a:defRPr sz="1200" b="0" i="0" u="none" strike="noStrike" cap="none">
+                <a:solidFill>
+                  <a:schemeClr val="dk1"/>
+                </a:solidFill>
+                <a:latin typeface="Arial"/>
+                <a:ea typeface="Arial"/>
+                <a:cs typeface="Arial"/>
+                <a:sym typeface="Arial"/>
+              </a:defRPr>
+            </a:lvl5pPr>
+            <a:lvl6pPr marL="2743200" marR="0" lvl="5" indent="-314325" algn="ctr" rtl="0">
+              <a:lnSpc>
+                <a:spcPct val="90000"/>
+              </a:lnSpc>
+              <a:spcBef>
+                <a:spcPts val="375"/>
+              </a:spcBef>
+              <a:spcAft>
+                <a:spcPts val="0"/>
+              </a:spcAft>
+              <a:buClr>
+                <a:schemeClr val="dk1"/>
+              </a:buClr>
+              <a:buSzPts val="1200"/>
+              <a:buFont typeface="Arial"/>
+              <a:buNone/>
+              <a:defRPr sz="1200" b="0" i="0" u="none" strike="noStrike" cap="none">
+                <a:solidFill>
+                  <a:schemeClr val="dk1"/>
+                </a:solidFill>
+                <a:latin typeface="Arial"/>
+                <a:ea typeface="Arial"/>
+                <a:cs typeface="Arial"/>
+                <a:sym typeface="Arial"/>
+              </a:defRPr>
+            </a:lvl6pPr>
+            <a:lvl7pPr marL="3200400" marR="0" lvl="6" indent="-314325" algn="ctr" rtl="0">
+              <a:lnSpc>
+                <a:spcPct val="90000"/>
+              </a:lnSpc>
+              <a:spcBef>
+                <a:spcPts val="375"/>
+              </a:spcBef>
+              <a:spcAft>
+                <a:spcPts val="0"/>
+              </a:spcAft>
+              <a:buClr>
+                <a:schemeClr val="dk1"/>
+              </a:buClr>
+              <a:buSzPts val="1200"/>
+              <a:buFont typeface="Arial"/>
+              <a:buNone/>
+              <a:defRPr sz="1200" b="0" i="0" u="none" strike="noStrike" cap="none">
+                <a:solidFill>
+                  <a:schemeClr val="dk1"/>
+                </a:solidFill>
+                <a:latin typeface="Arial"/>
+                <a:ea typeface="Arial"/>
+                <a:cs typeface="Arial"/>
+                <a:sym typeface="Arial"/>
+              </a:defRPr>
+            </a:lvl7pPr>
+            <a:lvl8pPr marL="3657600" marR="0" lvl="7" indent="-314325" algn="ctr" rtl="0">
+              <a:lnSpc>
+                <a:spcPct val="90000"/>
+              </a:lnSpc>
+              <a:spcBef>
+                <a:spcPts val="375"/>
+              </a:spcBef>
+              <a:spcAft>
+                <a:spcPts val="0"/>
+              </a:spcAft>
+              <a:buClr>
+                <a:schemeClr val="dk1"/>
+              </a:buClr>
+              <a:buSzPts val="1200"/>
+              <a:buFont typeface="Arial"/>
+              <a:buNone/>
+              <a:defRPr sz="1200" b="0" i="0" u="none" strike="noStrike" cap="none">
+                <a:solidFill>
+                  <a:schemeClr val="dk1"/>
+                </a:solidFill>
+                <a:latin typeface="Arial"/>
+                <a:ea typeface="Arial"/>
+                <a:cs typeface="Arial"/>
+                <a:sym typeface="Arial"/>
+              </a:defRPr>
+            </a:lvl8pPr>
+            <a:lvl9pPr marL="4114800" marR="0" lvl="8" indent="-314325" algn="ctr" rtl="0">
+              <a:lnSpc>
+                <a:spcPct val="90000"/>
+              </a:lnSpc>
+              <a:spcBef>
+                <a:spcPts val="375"/>
+              </a:spcBef>
+              <a:spcAft>
+                <a:spcPts val="0"/>
+              </a:spcAft>
+              <a:buClr>
+                <a:schemeClr val="dk1"/>
+              </a:buClr>
+              <a:buSzPts val="1200"/>
+              <a:buFont typeface="Arial"/>
+              <a:buNone/>
+              <a:defRPr sz="1200" b="0" i="0" u="none" strike="noStrike" cap="none">
+                <a:solidFill>
+                  <a:schemeClr val="dk1"/>
+                </a:solidFill>
+                <a:latin typeface="Arial"/>
+                <a:ea typeface="Arial"/>
+                <a:cs typeface="Arial"/>
+                <a:sym typeface="Arial"/>
+              </a:defRPr>
+            </a:lvl9pPr>
+          </a:lstStyle>
+          <a:p>
+            <a:pPr marL="0" indent="0" algn="l">
+              <a:spcBef>
+                <a:spcPts val="0"/>
+              </a:spcBef>
+              <a:buSzPts val="2400"/>
+            </a:pPr>
+            <a:r>
+              <a:rPr lang="de-DE" sz="2800" dirty="0" smtClean="0"/>
+              <a:t>Alex Lundin</a:t>
+            </a:r>
+          </a:p>
+          <a:p>
+            <a:pPr marL="0" indent="0" algn="l">
+              <a:spcBef>
+                <a:spcPts val="0"/>
+              </a:spcBef>
+              <a:buSzPts val="2400"/>
+            </a:pPr>
+            <a:r>
+              <a:rPr lang="de-DE" sz="2800" dirty="0" smtClean="0"/>
+              <a:t>Sr, Software Engineering</a:t>
+            </a:r>
+          </a:p>
+          <a:p>
+            <a:pPr marL="0" indent="0" algn="l">
+              <a:spcBef>
+                <a:spcPts val="0"/>
+              </a:spcBef>
+              <a:buSzPts val="2400"/>
+            </a:pPr>
+            <a:r>
+              <a:rPr lang="de-DE" sz="2800" dirty="0" smtClean="0"/>
+              <a:t>aml140830@utdallas.edu</a:t>
+            </a:r>
+          </a:p>
+          <a:p>
+            <a:pPr marL="0" indent="0" algn="l">
+              <a:spcBef>
+                <a:spcPts val="0"/>
+              </a:spcBef>
+              <a:buSzPts val="2400"/>
+            </a:pPr>
+            <a:endParaRPr lang="de-DE" sz="2800" dirty="0" smtClean="0"/>
+          </a:p>
+          <a:p>
+            <a:pPr marL="0" indent="0" algn="l">
+              <a:spcBef>
+                <a:spcPts val="0"/>
+              </a:spcBef>
+              <a:buSzPts val="2400"/>
+            </a:pPr>
+            <a:r>
+              <a:rPr lang="de-DE" sz="2800" dirty="0" smtClean="0"/>
+              <a:t>Geet Babaria</a:t>
+            </a:r>
+          </a:p>
+          <a:p>
+            <a:pPr marL="0" indent="0" algn="l">
+              <a:spcBef>
+                <a:spcPts val="0"/>
+              </a:spcBef>
+              <a:buSzPts val="2400"/>
+            </a:pPr>
+            <a:r>
+              <a:rPr lang="de-DE" sz="2800" dirty="0" smtClean="0"/>
+              <a:t>Sr, Software Engineering</a:t>
+            </a:r>
+          </a:p>
+          <a:p>
+            <a:pPr marL="0" indent="0" algn="l">
+              <a:spcBef>
+                <a:spcPts val="0"/>
+              </a:spcBef>
+              <a:buSzPts val="1100"/>
+            </a:pPr>
+            <a:r>
+              <a:rPr lang="de-DE" sz="2800" dirty="0" smtClean="0"/>
+              <a:t>gxb120730@utdallas.edu</a:t>
+            </a:r>
+          </a:p>
+          <a:p>
+            <a:pPr marL="0" indent="0" algn="l">
+              <a:spcBef>
+                <a:spcPts val="0"/>
+              </a:spcBef>
+              <a:buSzPts val="1100"/>
+            </a:pPr>
+            <a:endParaRPr lang="de-DE" sz="2800" dirty="0" smtClean="0"/>
+          </a:p>
+          <a:p>
+            <a:pPr marL="0" indent="0" algn="l">
+              <a:spcBef>
+                <a:spcPts val="0"/>
+              </a:spcBef>
+              <a:buSzPts val="2400"/>
+            </a:pPr>
+            <a:r>
+              <a:rPr lang="de-DE" sz="2800" dirty="0" smtClean="0"/>
+              <a:t>Justin Horak</a:t>
+            </a:r>
+          </a:p>
+          <a:p>
+            <a:pPr marL="0" indent="0" algn="l">
+              <a:spcBef>
+                <a:spcPts val="0"/>
+              </a:spcBef>
+              <a:buSzPts val="1100"/>
+            </a:pPr>
+            <a:r>
+              <a:rPr lang="de-DE" sz="2800" dirty="0" smtClean="0"/>
+              <a:t>Sr, Software Engineering</a:t>
+            </a:r>
+          </a:p>
+          <a:p>
+            <a:pPr marL="0" indent="0" algn="l">
+              <a:spcBef>
+                <a:spcPts val="0"/>
+              </a:spcBef>
+              <a:buSzPts val="2400"/>
+            </a:pPr>
+            <a:r>
+              <a:rPr lang="de-DE" sz="2800" dirty="0"/>
+              <a:t>jmh161030@utdallas.edu</a:t>
+            </a:r>
+          </a:p>
+        </p:txBody>
+      </p:sp>
+    </p:spTree>
+    <p:extLst>
+      <p:ext uri="{BB962C8B-B14F-4D97-AF65-F5344CB8AC3E}">
+        <p14:creationId xmlns:p14="http://schemas.microsoft.com/office/powerpoint/2010/main" val="1037189322"/>
+      </p:ext>
+    </p:extLst>
+  </p:cSld>
+  <p:clrMapOvr>
+    <a:masterClrMapping/>
+  </p:clrMapOvr>
+</p:sld>
+</file>
+
 <file path=ppt/slides/slide2.xml><?xml version="1.0" encoding="utf-8"?>
 <p:sld xmlns:a="http://schemas.openxmlformats.org/drawingml/2006/main" xmlns:r="http://schemas.openxmlformats.org/officeDocument/2006/relationships" xmlns:p="http://schemas.openxmlformats.org/presentationml/2006/main">
   <p:cSld>
@@ -30280,7 +30739,6 @@
               <a:rPr lang="en-US" sz="2800" dirty="0"/>
               <a:t>the combination makes the sensor to environment components of the system. The control loop is the main decision piece of the mobile robotic system, followed by the procedure calls which are the connectors used in the system. The control or brain receives the environmental data from the main program, the program then decides based on the data received and then passes the decision to the actuator which then commands the hardware. </a:t>
             </a:r>
-            <a:endParaRPr lang="en-US" sz="2800" dirty="0"/>
           </a:p>
         </p:txBody>
       </p:sp>
@@ -30461,23 +30919,14 @@
           <a:p>
             <a:r>
               <a:rPr lang="en-US" sz="2800" dirty="0" smtClean="0"/>
-              <a:t>Layer </a:t>
-            </a:r>
-            <a:r>
-              <a:rPr lang="en-US" sz="2800" dirty="0" smtClean="0"/>
-              <a:t>Services</a:t>
+              <a:t>Layer Services</a:t>
             </a:r>
           </a:p>
           <a:p>
             <a:r>
               <a:rPr lang="en-US" sz="2800" dirty="0" smtClean="0"/>
-              <a:t>Level 1 </a:t>
+              <a:t>Level 1 –High level Language</a:t>
             </a:r>
-            <a:r>
-              <a:rPr lang="en-US" sz="2800" dirty="0" smtClean="0"/>
-              <a:t>–High level Language</a:t>
-            </a:r>
-            <a:endParaRPr lang="en-US" sz="2800" dirty="0" smtClean="0"/>
           </a:p>
           <a:p>
             <a:r>
@@ -30499,7 +30948,6 @@
               <a:rPr lang="en-US" sz="2800" dirty="0" smtClean="0"/>
               <a:t>Actuators</a:t>
             </a:r>
-            <a:endParaRPr lang="en-US" sz="2800" dirty="0" smtClean="0"/>
           </a:p>
         </p:txBody>
       </p:sp>
@@ -31051,7 +31499,7 @@
             <p:ph idx="4294967295"/>
             <p:extLst>
               <p:ext uri="{D42A27DB-BD31-4B8C-83A1-F6EECF244321}">
-                <p14:modId xmlns:p14="http://schemas.microsoft.com/office/powerpoint/2010/main" val="3307852161"/>
+                <p14:modId xmlns:p14="http://schemas.microsoft.com/office/powerpoint/2010/main" val="2931037572"/>
               </p:ext>
             </p:extLst>
           </p:nvPr>
@@ -31081,7 +31529,7 @@
                     <a:lstStyle/>
                     <a:p>
                       <a:pPr algn="l" fontAlgn="b"/>
-                      <a:endParaRPr lang="en-US" sz="1100" b="0" i="0" u="none" strike="noStrike" dirty="0">
+                      <a:endParaRPr lang="en-US" sz="2000" b="0" i="0" u="none" strike="noStrike" dirty="0">
                         <a:solidFill>
                           <a:srgbClr val="000000"/>
                         </a:solidFill>
@@ -31099,12 +31547,12 @@
                     <a:p>
                       <a:pPr algn="ctr" fontAlgn="b"/>
                       <a:r>
-                        <a:rPr lang="en-US" sz="1100" u="none" strike="noStrike">
+                        <a:rPr lang="en-US" sz="2000" u="none" strike="noStrike" dirty="0">
                           <a:effectLst/>
                         </a:rPr>
                         <a:t>Control Loop</a:t>
                       </a:r>
-                      <a:endParaRPr lang="en-US" sz="1100" b="0" i="0" u="none" strike="noStrike">
+                      <a:endParaRPr lang="en-US" sz="2000" b="0" i="0" u="none" strike="noStrike" dirty="0">
                         <a:solidFill>
                           <a:srgbClr val="000000"/>
                         </a:solidFill>
@@ -31122,12 +31570,12 @@
                     <a:p>
                       <a:pPr algn="ctr" fontAlgn="b"/>
                       <a:r>
-                        <a:rPr lang="en-US" sz="1100" u="none" strike="noStrike">
+                        <a:rPr lang="en-US" sz="2000" u="none" strike="noStrike">
                           <a:effectLst/>
                         </a:rPr>
                         <a:t>Layers</a:t>
                       </a:r>
-                      <a:endParaRPr lang="en-US" sz="1100" b="0" i="0" u="none" strike="noStrike">
+                      <a:endParaRPr lang="en-US" sz="2000" b="0" i="0" u="none" strike="noStrike">
                         <a:solidFill>
                           <a:srgbClr val="000000"/>
                         </a:solidFill>
@@ -31145,12 +31593,12 @@
                     <a:p>
                       <a:pPr algn="ctr" fontAlgn="b"/>
                       <a:r>
-                        <a:rPr lang="en-US" sz="1100" u="none" strike="noStrike">
+                        <a:rPr lang="en-US" sz="2000" u="none" strike="noStrike">
                           <a:effectLst/>
                         </a:rPr>
                         <a:t>Implicit Invocation</a:t>
                       </a:r>
-                      <a:endParaRPr lang="en-US" sz="1100" b="0" i="0" u="none" strike="noStrike">
+                      <a:endParaRPr lang="en-US" sz="2000" b="0" i="0" u="none" strike="noStrike">
                         <a:solidFill>
                           <a:srgbClr val="000000"/>
                         </a:solidFill>
@@ -31168,12 +31616,12 @@
                     <a:p>
                       <a:pPr algn="ctr" fontAlgn="b"/>
                       <a:r>
-                        <a:rPr lang="en-US" sz="1100" u="none" strike="noStrike">
+                        <a:rPr lang="en-US" sz="2000" u="none" strike="noStrike">
                           <a:effectLst/>
                         </a:rPr>
                         <a:t>Blackboard</a:t>
                       </a:r>
-                      <a:endParaRPr lang="en-US" sz="1100" b="0" i="0" u="none" strike="noStrike">
+                      <a:endParaRPr lang="en-US" sz="2000" b="0" i="0" u="none" strike="noStrike">
                         <a:solidFill>
                           <a:srgbClr val="000000"/>
                         </a:solidFill>
@@ -31191,7 +31639,7 @@
                     <a:p>
                       <a:pPr algn="ctr" fontAlgn="b"/>
                       <a:r>
-                        <a:rPr lang="en-US" sz="1100" b="0" i="0" u="none" strike="noStrike" dirty="0" smtClean="0">
+                        <a:rPr lang="en-US" sz="2000" b="0" i="0" u="none" strike="noStrike" dirty="0" smtClean="0">
                           <a:solidFill>
                             <a:srgbClr val="000000"/>
                           </a:solidFill>
@@ -31201,7 +31649,7 @@
                         <a:t>Tri-hybrid</a:t>
                       </a:r>
                       <a:r>
-                        <a:rPr lang="en-US" sz="1100" b="0" i="0" u="none" strike="noStrike" baseline="0" dirty="0" smtClean="0">
+                        <a:rPr lang="en-US" sz="2000" b="0" i="0" u="none" strike="noStrike" baseline="0" dirty="0" smtClean="0">
                           <a:solidFill>
                             <a:srgbClr val="000000"/>
                           </a:solidFill>
@@ -31210,7 +31658,7 @@
                         </a:rPr>
                         <a:t> Robotic System</a:t>
                       </a:r>
-                      <a:endParaRPr lang="en-US" sz="1100" b="0" i="0" u="none" strike="noStrike" dirty="0">
+                      <a:endParaRPr lang="en-US" sz="2000" b="0" i="0" u="none" strike="noStrike" dirty="0">
                         <a:solidFill>
                           <a:srgbClr val="000000"/>
                         </a:solidFill>
@@ -31230,12 +31678,12 @@
                     <a:p>
                       <a:pPr algn="ctr" fontAlgn="b"/>
                       <a:r>
-                        <a:rPr lang="en-US" sz="1100" u="none" strike="noStrike">
+                        <a:rPr lang="en-US" sz="2000" u="none" strike="noStrike">
                           <a:effectLst/>
                         </a:rPr>
                         <a:t>Task Coordination</a:t>
                       </a:r>
-                      <a:endParaRPr lang="en-US" sz="1100" b="0" i="0" u="none" strike="noStrike">
+                      <a:endParaRPr lang="en-US" sz="2000" b="0" i="0" u="none" strike="noStrike">
                         <a:solidFill>
                           <a:srgbClr val="000000"/>
                         </a:solidFill>
@@ -31253,12 +31701,12 @@
                     <a:p>
                       <a:pPr algn="ctr" fontAlgn="b"/>
                       <a:r>
-                        <a:rPr lang="en-US" sz="1100" u="none" strike="noStrike">
+                        <a:rPr lang="en-US" sz="2000" u="none" strike="noStrike" dirty="0">
                           <a:effectLst/>
                         </a:rPr>
                         <a:t>+-</a:t>
                       </a:r>
-                      <a:endParaRPr lang="en-US" sz="1100" b="0" i="0" u="none" strike="noStrike">
+                      <a:endParaRPr lang="en-US" sz="2000" b="0" i="0" u="none" strike="noStrike" dirty="0">
                         <a:solidFill>
                           <a:srgbClr val="000000"/>
                         </a:solidFill>
@@ -31276,12 +31724,12 @@
                     <a:p>
                       <a:pPr algn="ctr" fontAlgn="b"/>
                       <a:r>
-                        <a:rPr lang="en-US" sz="1100" u="none" strike="noStrike">
+                        <a:rPr lang="en-US" sz="2000" u="none" strike="noStrike">
                           <a:effectLst/>
                         </a:rPr>
                         <a:t>-</a:t>
                       </a:r>
-                      <a:endParaRPr lang="en-US" sz="1100" b="0" i="0" u="none" strike="noStrike">
+                      <a:endParaRPr lang="en-US" sz="2000" b="0" i="0" u="none" strike="noStrike">
                         <a:solidFill>
                           <a:srgbClr val="000000"/>
                         </a:solidFill>
@@ -31299,12 +31747,12 @@
                     <a:p>
                       <a:pPr algn="ctr" fontAlgn="b"/>
                       <a:r>
-                        <a:rPr lang="en-US" sz="1100" u="none" strike="noStrike">
+                        <a:rPr lang="en-US" sz="2000" u="none" strike="noStrike">
                           <a:effectLst/>
                         </a:rPr>
                         <a:t>++</a:t>
                       </a:r>
-                      <a:endParaRPr lang="en-US" sz="1100" b="0" i="0" u="none" strike="noStrike">
+                      <a:endParaRPr lang="en-US" sz="2000" b="0" i="0" u="none" strike="noStrike">
                         <a:solidFill>
                           <a:srgbClr val="000000"/>
                         </a:solidFill>
@@ -31322,12 +31770,12 @@
                     <a:p>
                       <a:pPr algn="ctr" fontAlgn="b"/>
                       <a:r>
-                        <a:rPr lang="en-US" sz="1100" u="none" strike="noStrike">
+                        <a:rPr lang="en-US" sz="2000" u="none" strike="noStrike">
                           <a:effectLst/>
                         </a:rPr>
                         <a:t>+</a:t>
                       </a:r>
-                      <a:endParaRPr lang="en-US" sz="1100" b="0" i="0" u="none" strike="noStrike">
+                      <a:endParaRPr lang="en-US" sz="2000" b="0" i="0" u="none" strike="noStrike">
                         <a:solidFill>
                           <a:srgbClr val="000000"/>
                         </a:solidFill>
@@ -31345,21 +31793,21 @@
                     <a:p>
                       <a:pPr algn="ctr" fontAlgn="b"/>
                       <a:r>
-                        <a:rPr lang="en-US" sz="1100" b="0" i="0" u="none" strike="noStrike" dirty="0" smtClean="0">
+                        <a:rPr lang="en-US" sz="2000" b="0" i="0" u="none" strike="noStrike" dirty="0" smtClean="0">
                           <a:solidFill>
                             <a:srgbClr val="000000"/>
                           </a:solidFill>
                           <a:effectLst/>
-                          <a:latin typeface="Calibri" panose="020F0502020204030204" pitchFamily="34" charset="0"/>
+                          <a:latin typeface="+mn-lt"/>
                         </a:rPr>
                         <a:t>+--</a:t>
                       </a:r>
-                      <a:endParaRPr lang="en-US" sz="1100" b="0" i="0" u="none" strike="noStrike" dirty="0">
+                      <a:endParaRPr lang="en-US" sz="2000" b="0" i="0" u="none" strike="noStrike" dirty="0">
                         <a:solidFill>
                           <a:srgbClr val="000000"/>
                         </a:solidFill>
                         <a:effectLst/>
-                        <a:latin typeface="Calibri" panose="020F0502020204030204" pitchFamily="34" charset="0"/>
+                        <a:latin typeface="+mn-lt"/>
                       </a:endParaRPr>
                     </a:p>
                   </a:txBody>
@@ -31374,12 +31822,12 @@
                     <a:p>
                       <a:pPr algn="ctr" fontAlgn="b"/>
                       <a:r>
-                        <a:rPr lang="en-US" sz="1100" u="none" strike="noStrike">
+                        <a:rPr lang="en-US" sz="2000" u="none" strike="noStrike">
                           <a:effectLst/>
                         </a:rPr>
                         <a:t>Dealing with Uncertainty</a:t>
                       </a:r>
-                      <a:endParaRPr lang="en-US" sz="1100" b="0" i="0" u="none" strike="noStrike">
+                      <a:endParaRPr lang="en-US" sz="2000" b="0" i="0" u="none" strike="noStrike">
                         <a:solidFill>
                           <a:srgbClr val="000000"/>
                         </a:solidFill>
@@ -31397,12 +31845,12 @@
                     <a:p>
                       <a:pPr algn="ctr" fontAlgn="b"/>
                       <a:r>
-                        <a:rPr lang="en-US" sz="1100" u="none" strike="noStrike">
+                        <a:rPr lang="en-US" sz="2000" u="none" strike="noStrike">
                           <a:effectLst/>
                         </a:rPr>
                         <a:t>-</a:t>
                       </a:r>
-                      <a:endParaRPr lang="en-US" sz="1100" b="0" i="0" u="none" strike="noStrike">
+                      <a:endParaRPr lang="en-US" sz="2000" b="0" i="0" u="none" strike="noStrike">
                         <a:solidFill>
                           <a:srgbClr val="000000"/>
                         </a:solidFill>
@@ -31420,12 +31868,12 @@
                     <a:p>
                       <a:pPr algn="ctr" fontAlgn="b"/>
                       <a:r>
-                        <a:rPr lang="en-US" sz="1100" u="none" strike="noStrike">
+                        <a:rPr lang="en-US" sz="2000" u="none" strike="noStrike">
                           <a:effectLst/>
                         </a:rPr>
                         <a:t>+-</a:t>
                       </a:r>
-                      <a:endParaRPr lang="en-US" sz="1100" b="0" i="0" u="none" strike="noStrike">
+                      <a:endParaRPr lang="en-US" sz="2000" b="0" i="0" u="none" strike="noStrike">
                         <a:solidFill>
                           <a:srgbClr val="000000"/>
                         </a:solidFill>
@@ -31443,12 +31891,12 @@
                     <a:p>
                       <a:pPr algn="ctr" fontAlgn="b"/>
                       <a:r>
-                        <a:rPr lang="en-US" sz="1100" u="none" strike="noStrike">
+                        <a:rPr lang="en-US" sz="2000" u="none" strike="noStrike">
                           <a:effectLst/>
                         </a:rPr>
                         <a:t>+-</a:t>
                       </a:r>
-                      <a:endParaRPr lang="en-US" sz="1100" b="0" i="0" u="none" strike="noStrike">
+                      <a:endParaRPr lang="en-US" sz="2000" b="0" i="0" u="none" strike="noStrike">
                         <a:solidFill>
                           <a:srgbClr val="000000"/>
                         </a:solidFill>
@@ -31466,12 +31914,12 @@
                     <a:p>
                       <a:pPr algn="ctr" fontAlgn="b"/>
                       <a:r>
-                        <a:rPr lang="en-US" sz="1100" u="none" strike="noStrike">
+                        <a:rPr lang="en-US" sz="2000" u="none" strike="noStrike">
                           <a:effectLst/>
                         </a:rPr>
                         <a:t>+</a:t>
                       </a:r>
-                      <a:endParaRPr lang="en-US" sz="1100" b="0" i="0" u="none" strike="noStrike">
+                      <a:endParaRPr lang="en-US" sz="2000" b="0" i="0" u="none" strike="noStrike">
                         <a:solidFill>
                           <a:srgbClr val="000000"/>
                         </a:solidFill>
@@ -31489,21 +31937,21 @@
                     <a:p>
                       <a:pPr algn="ctr" fontAlgn="b"/>
                       <a:r>
-                        <a:rPr lang="en-US" sz="1100" b="0" i="0" u="none" strike="noStrike" dirty="0" smtClean="0">
+                        <a:rPr lang="en-US" sz="2000" b="0" i="0" u="none" strike="noStrike" dirty="0" smtClean="0">
                           <a:solidFill>
                             <a:srgbClr val="000000"/>
                           </a:solidFill>
                           <a:effectLst/>
-                          <a:latin typeface="Calibri" panose="020F0502020204030204" pitchFamily="34" charset="0"/>
+                          <a:latin typeface="+mn-lt"/>
                         </a:rPr>
                         <a:t>+--</a:t>
                       </a:r>
-                      <a:endParaRPr lang="en-US" sz="1100" b="0" i="0" u="none" strike="noStrike" dirty="0">
+                      <a:endParaRPr lang="en-US" sz="2000" b="0" i="0" u="none" strike="noStrike" dirty="0">
                         <a:solidFill>
                           <a:srgbClr val="000000"/>
                         </a:solidFill>
                         <a:effectLst/>
-                        <a:latin typeface="Calibri" panose="020F0502020204030204" pitchFamily="34" charset="0"/>
+                        <a:latin typeface="+mn-lt"/>
                       </a:endParaRPr>
                     </a:p>
                   </a:txBody>
@@ -31518,12 +31966,12 @@
                     <a:p>
                       <a:pPr algn="ctr" fontAlgn="b"/>
                       <a:r>
-                        <a:rPr lang="en-US" sz="1100" u="none" strike="noStrike">
+                        <a:rPr lang="en-US" sz="2000" u="none" strike="noStrike">
                           <a:effectLst/>
                         </a:rPr>
                         <a:t>Fault Tolerance</a:t>
                       </a:r>
-                      <a:endParaRPr lang="en-US" sz="1100" b="0" i="0" u="none" strike="noStrike">
+                      <a:endParaRPr lang="en-US" sz="2000" b="0" i="0" u="none" strike="noStrike">
                         <a:solidFill>
                           <a:srgbClr val="000000"/>
                         </a:solidFill>
@@ -31541,12 +31989,12 @@
                     <a:p>
                       <a:pPr algn="ctr" fontAlgn="b"/>
                       <a:r>
-                        <a:rPr lang="en-US" sz="1100" u="none" strike="noStrike">
+                        <a:rPr lang="en-US" sz="2000" u="none" strike="noStrike">
                           <a:effectLst/>
                         </a:rPr>
                         <a:t>+-</a:t>
                       </a:r>
-                      <a:endParaRPr lang="en-US" sz="1100" b="0" i="0" u="none" strike="noStrike">
+                      <a:endParaRPr lang="en-US" sz="2000" b="0" i="0" u="none" strike="noStrike">
                         <a:solidFill>
                           <a:srgbClr val="000000"/>
                         </a:solidFill>
@@ -31564,12 +32012,12 @@
                     <a:p>
                       <a:pPr algn="ctr" fontAlgn="b"/>
                       <a:r>
-                        <a:rPr lang="en-US" sz="1100" u="none" strike="noStrike">
+                        <a:rPr lang="en-US" sz="2000" u="none" strike="noStrike">
                           <a:effectLst/>
                         </a:rPr>
                         <a:t>+-</a:t>
                       </a:r>
-                      <a:endParaRPr lang="en-US" sz="1100" b="0" i="0" u="none" strike="noStrike">
+                      <a:endParaRPr lang="en-US" sz="2000" b="0" i="0" u="none" strike="noStrike">
                         <a:solidFill>
                           <a:srgbClr val="000000"/>
                         </a:solidFill>
@@ -31587,12 +32035,12 @@
                     <a:p>
                       <a:pPr algn="ctr" fontAlgn="b"/>
                       <a:r>
-                        <a:rPr lang="en-US" sz="1100" u="none" strike="noStrike">
+                        <a:rPr lang="en-US" sz="2000" u="none" strike="noStrike">
                           <a:effectLst/>
                         </a:rPr>
                         <a:t>++</a:t>
                       </a:r>
-                      <a:endParaRPr lang="en-US" sz="1100" b="0" i="0" u="none" strike="noStrike">
+                      <a:endParaRPr lang="en-US" sz="2000" b="0" i="0" u="none" strike="noStrike">
                         <a:solidFill>
                           <a:srgbClr val="000000"/>
                         </a:solidFill>
@@ -31610,12 +32058,12 @@
                     <a:p>
                       <a:pPr algn="ctr" fontAlgn="b"/>
                       <a:r>
-                        <a:rPr lang="en-US" sz="1100" u="none" strike="noStrike">
+                        <a:rPr lang="en-US" sz="2000" u="none" strike="noStrike">
                           <a:effectLst/>
                         </a:rPr>
                         <a:t>+</a:t>
                       </a:r>
-                      <a:endParaRPr lang="en-US" sz="1100" b="0" i="0" u="none" strike="noStrike">
+                      <a:endParaRPr lang="en-US" sz="2000" b="0" i="0" u="none" strike="noStrike">
                         <a:solidFill>
                           <a:srgbClr val="000000"/>
                         </a:solidFill>
@@ -31633,21 +32081,21 @@
                     <a:p>
                       <a:pPr algn="ctr" fontAlgn="b"/>
                       <a:r>
-                        <a:rPr lang="en-US" sz="1100" b="0" i="0" u="none" strike="noStrike" dirty="0" smtClean="0">
+                        <a:rPr lang="en-US" sz="2000" b="0" i="0" u="none" strike="noStrike" dirty="0" smtClean="0">
                           <a:solidFill>
                             <a:srgbClr val="000000"/>
                           </a:solidFill>
                           <a:effectLst/>
-                          <a:latin typeface="Calibri" panose="020F0502020204030204" pitchFamily="34" charset="0"/>
+                          <a:latin typeface="+mn-lt"/>
                         </a:rPr>
                         <a:t>++--</a:t>
                       </a:r>
-                      <a:endParaRPr lang="en-US" sz="1100" b="0" i="0" u="none" strike="noStrike" dirty="0">
+                      <a:endParaRPr lang="en-US" sz="2000" b="0" i="0" u="none" strike="noStrike" dirty="0">
                         <a:solidFill>
                           <a:srgbClr val="000000"/>
                         </a:solidFill>
                         <a:effectLst/>
-                        <a:latin typeface="Calibri" panose="020F0502020204030204" pitchFamily="34" charset="0"/>
+                        <a:latin typeface="+mn-lt"/>
                       </a:endParaRPr>
                     </a:p>
                   </a:txBody>
@@ -31662,12 +32110,12 @@
                     <a:p>
                       <a:pPr algn="ctr" fontAlgn="b"/>
                       <a:r>
-                        <a:rPr lang="en-US" sz="1100" u="none" strike="noStrike">
+                        <a:rPr lang="en-US" sz="2000" u="none" strike="noStrike">
                           <a:effectLst/>
                         </a:rPr>
                         <a:t>Safety</a:t>
                       </a:r>
-                      <a:endParaRPr lang="en-US" sz="1100" b="0" i="0" u="none" strike="noStrike">
+                      <a:endParaRPr lang="en-US" sz="2000" b="0" i="0" u="none" strike="noStrike">
                         <a:solidFill>
                           <a:srgbClr val="000000"/>
                         </a:solidFill>
@@ -31685,12 +32133,12 @@
                     <a:p>
                       <a:pPr algn="ctr" fontAlgn="b"/>
                       <a:r>
-                        <a:rPr lang="en-US" sz="1100" u="none" strike="noStrike">
+                        <a:rPr lang="en-US" sz="2000" u="none" strike="noStrike">
                           <a:effectLst/>
                         </a:rPr>
                         <a:t>+-</a:t>
                       </a:r>
-                      <a:endParaRPr lang="en-US" sz="1100" b="0" i="0" u="none" strike="noStrike">
+                      <a:endParaRPr lang="en-US" sz="2000" b="0" i="0" u="none" strike="noStrike">
                         <a:solidFill>
                           <a:srgbClr val="000000"/>
                         </a:solidFill>
@@ -31708,12 +32156,12 @@
                     <a:p>
                       <a:pPr algn="ctr" fontAlgn="b"/>
                       <a:r>
-                        <a:rPr lang="en-US" sz="1100" u="none" strike="noStrike">
+                        <a:rPr lang="en-US" sz="2000" u="none" strike="noStrike">
                           <a:effectLst/>
                         </a:rPr>
                         <a:t>+-</a:t>
                       </a:r>
-                      <a:endParaRPr lang="en-US" sz="1100" b="0" i="0" u="none" strike="noStrike">
+                      <a:endParaRPr lang="en-US" sz="2000" b="0" i="0" u="none" strike="noStrike">
                         <a:solidFill>
                           <a:srgbClr val="000000"/>
                         </a:solidFill>
@@ -31731,12 +32179,12 @@
                     <a:p>
                       <a:pPr algn="ctr" fontAlgn="b"/>
                       <a:r>
-                        <a:rPr lang="en-US" sz="1100" u="none" strike="noStrike">
+                        <a:rPr lang="en-US" sz="2000" u="none" strike="noStrike">
                           <a:effectLst/>
                         </a:rPr>
                         <a:t>++</a:t>
                       </a:r>
-                      <a:endParaRPr lang="en-US" sz="1100" b="0" i="0" u="none" strike="noStrike">
+                      <a:endParaRPr lang="en-US" sz="2000" b="0" i="0" u="none" strike="noStrike">
                         <a:solidFill>
                           <a:srgbClr val="000000"/>
                         </a:solidFill>
@@ -31754,12 +32202,12 @@
                     <a:p>
                       <a:pPr algn="ctr" fontAlgn="b"/>
                       <a:r>
-                        <a:rPr lang="en-US" sz="1100" u="none" strike="noStrike">
+                        <a:rPr lang="en-US" sz="2000" u="none" strike="noStrike">
                           <a:effectLst/>
                         </a:rPr>
                         <a:t>+</a:t>
                       </a:r>
-                      <a:endParaRPr lang="en-US" sz="1100" b="0" i="0" u="none" strike="noStrike">
+                      <a:endParaRPr lang="en-US" sz="2000" b="0" i="0" u="none" strike="noStrike">
                         <a:solidFill>
                           <a:srgbClr val="000000"/>
                         </a:solidFill>
@@ -31777,21 +32225,21 @@
                     <a:p>
                       <a:pPr algn="ctr" fontAlgn="b"/>
                       <a:r>
-                        <a:rPr lang="en-US" sz="1100" b="0" i="0" u="none" strike="noStrike" dirty="0" smtClean="0">
+                        <a:rPr lang="en-US" sz="2000" b="0" i="0" u="none" strike="noStrike" dirty="0" smtClean="0">
                           <a:solidFill>
                             <a:srgbClr val="000000"/>
                           </a:solidFill>
                           <a:effectLst/>
-                          <a:latin typeface="Calibri" panose="020F0502020204030204" pitchFamily="34" charset="0"/>
+                          <a:latin typeface="+mn-lt"/>
                         </a:rPr>
                         <a:t>++--</a:t>
                       </a:r>
-                      <a:endParaRPr lang="en-US" sz="1100" b="0" i="0" u="none" strike="noStrike" dirty="0">
+                      <a:endParaRPr lang="en-US" sz="2000" b="0" i="0" u="none" strike="noStrike" dirty="0">
                         <a:solidFill>
                           <a:srgbClr val="000000"/>
                         </a:solidFill>
                         <a:effectLst/>
-                        <a:latin typeface="Calibri" panose="020F0502020204030204" pitchFamily="34" charset="0"/>
+                        <a:latin typeface="+mn-lt"/>
                       </a:endParaRPr>
                     </a:p>
                   </a:txBody>
@@ -31806,12 +32254,12 @@
                     <a:p>
                       <a:pPr algn="ctr" fontAlgn="b"/>
                       <a:r>
-                        <a:rPr lang="en-US" sz="1100" u="none" strike="noStrike">
+                        <a:rPr lang="en-US" sz="2000" u="none" strike="noStrike">
                           <a:effectLst/>
                         </a:rPr>
                         <a:t>Performance</a:t>
                       </a:r>
-                      <a:endParaRPr lang="en-US" sz="1100" b="0" i="0" u="none" strike="noStrike">
+                      <a:endParaRPr lang="en-US" sz="2000" b="0" i="0" u="none" strike="noStrike">
                         <a:solidFill>
                           <a:srgbClr val="000000"/>
                         </a:solidFill>
@@ -31829,12 +32277,12 @@
                     <a:p>
                       <a:pPr algn="ctr" fontAlgn="b"/>
                       <a:r>
-                        <a:rPr lang="en-US" sz="1100" u="none" strike="noStrike">
+                        <a:rPr lang="en-US" sz="2000" u="none" strike="noStrike">
                           <a:effectLst/>
                         </a:rPr>
                         <a:t>+-</a:t>
                       </a:r>
-                      <a:endParaRPr lang="en-US" sz="1100" b="0" i="0" u="none" strike="noStrike">
+                      <a:endParaRPr lang="en-US" sz="2000" b="0" i="0" u="none" strike="noStrike">
                         <a:solidFill>
                           <a:srgbClr val="000000"/>
                         </a:solidFill>
@@ -31852,12 +32300,12 @@
                     <a:p>
                       <a:pPr algn="ctr" fontAlgn="b"/>
                       <a:r>
-                        <a:rPr lang="en-US" sz="1100" u="none" strike="noStrike">
+                        <a:rPr lang="en-US" sz="2000" u="none" strike="noStrike">
                           <a:effectLst/>
                         </a:rPr>
                         <a:t>+-</a:t>
                       </a:r>
-                      <a:endParaRPr lang="en-US" sz="1100" b="0" i="0" u="none" strike="noStrike">
+                      <a:endParaRPr lang="en-US" sz="2000" b="0" i="0" u="none" strike="noStrike">
                         <a:solidFill>
                           <a:srgbClr val="000000"/>
                         </a:solidFill>
@@ -31875,12 +32323,12 @@
                     <a:p>
                       <a:pPr algn="ctr" fontAlgn="b"/>
                       <a:r>
-                        <a:rPr lang="en-US" sz="1100" u="none" strike="noStrike">
+                        <a:rPr lang="en-US" sz="2000" u="none" strike="noStrike">
                           <a:effectLst/>
                         </a:rPr>
                         <a:t>++</a:t>
                       </a:r>
-                      <a:endParaRPr lang="en-US" sz="1100" b="0" i="0" u="none" strike="noStrike">
+                      <a:endParaRPr lang="en-US" sz="2000" b="0" i="0" u="none" strike="noStrike">
                         <a:solidFill>
                           <a:srgbClr val="000000"/>
                         </a:solidFill>
@@ -31898,12 +32346,12 @@
                     <a:p>
                       <a:pPr algn="ctr" fontAlgn="b"/>
                       <a:r>
-                        <a:rPr lang="en-US" sz="1100" u="none" strike="noStrike">
+                        <a:rPr lang="en-US" sz="2000" u="none" strike="noStrike">
                           <a:effectLst/>
                         </a:rPr>
                         <a:t>+</a:t>
                       </a:r>
-                      <a:endParaRPr lang="en-US" sz="1100" b="0" i="0" u="none" strike="noStrike">
+                      <a:endParaRPr lang="en-US" sz="2000" b="0" i="0" u="none" strike="noStrike">
                         <a:solidFill>
                           <a:srgbClr val="000000"/>
                         </a:solidFill>
@@ -31921,21 +32369,21 @@
                     <a:p>
                       <a:pPr algn="ctr" fontAlgn="b"/>
                       <a:r>
-                        <a:rPr lang="en-US" sz="1100" b="0" i="0" u="none" strike="noStrike" dirty="0" smtClean="0">
+                        <a:rPr lang="en-US" sz="2000" b="0" i="0" u="none" strike="noStrike" dirty="0" smtClean="0">
                           <a:solidFill>
                             <a:srgbClr val="000000"/>
                           </a:solidFill>
                           <a:effectLst/>
-                          <a:latin typeface="Calibri" panose="020F0502020204030204" pitchFamily="34" charset="0"/>
+                          <a:latin typeface="+mn-lt"/>
                         </a:rPr>
                         <a:t>++--</a:t>
                       </a:r>
-                      <a:endParaRPr lang="en-US" sz="1100" b="0" i="0" u="none" strike="noStrike" dirty="0">
+                      <a:endParaRPr lang="en-US" sz="2000" b="0" i="0" u="none" strike="noStrike" dirty="0">
                         <a:solidFill>
                           <a:srgbClr val="000000"/>
                         </a:solidFill>
                         <a:effectLst/>
-                        <a:latin typeface="Calibri" panose="020F0502020204030204" pitchFamily="34" charset="0"/>
+                        <a:latin typeface="+mn-lt"/>
                       </a:endParaRPr>
                     </a:p>
                   </a:txBody>
@@ -31950,12 +32398,12 @@
                     <a:p>
                       <a:pPr algn="ctr" fontAlgn="b"/>
                       <a:r>
-                        <a:rPr lang="en-US" sz="1100" u="none" strike="noStrike">
+                        <a:rPr lang="en-US" sz="2000" u="none" strike="noStrike">
                           <a:effectLst/>
                         </a:rPr>
                         <a:t>Flexibility</a:t>
                       </a:r>
-                      <a:endParaRPr lang="en-US" sz="1100" b="0" i="0" u="none" strike="noStrike">
+                      <a:endParaRPr lang="en-US" sz="2000" b="0" i="0" u="none" strike="noStrike">
                         <a:solidFill>
                           <a:srgbClr val="000000"/>
                         </a:solidFill>
@@ -31973,12 +32421,12 @@
                     <a:p>
                       <a:pPr algn="ctr" fontAlgn="b"/>
                       <a:r>
-                        <a:rPr lang="en-US" sz="1100" u="none" strike="noStrike">
+                        <a:rPr lang="en-US" sz="2000" u="none" strike="noStrike">
                           <a:effectLst/>
                         </a:rPr>
                         <a:t>+-</a:t>
                       </a:r>
-                      <a:endParaRPr lang="en-US" sz="1100" b="0" i="0" u="none" strike="noStrike">
+                      <a:endParaRPr lang="en-US" sz="2000" b="0" i="0" u="none" strike="noStrike">
                         <a:solidFill>
                           <a:srgbClr val="000000"/>
                         </a:solidFill>
@@ -31996,12 +32444,12 @@
                     <a:p>
                       <a:pPr algn="ctr" fontAlgn="b"/>
                       <a:r>
-                        <a:rPr lang="en-US" sz="1100" u="none" strike="noStrike">
+                        <a:rPr lang="en-US" sz="2000" u="none" strike="noStrike">
                           <a:effectLst/>
                         </a:rPr>
                         <a:t>-</a:t>
                       </a:r>
-                      <a:endParaRPr lang="en-US" sz="1100" b="0" i="0" u="none" strike="noStrike">
+                      <a:endParaRPr lang="en-US" sz="2000" b="0" i="0" u="none" strike="noStrike">
                         <a:solidFill>
                           <a:srgbClr val="000000"/>
                         </a:solidFill>
@@ -32019,12 +32467,12 @@
                     <a:p>
                       <a:pPr algn="ctr" fontAlgn="b"/>
                       <a:r>
-                        <a:rPr lang="en-US" sz="1100" u="none" strike="noStrike">
+                        <a:rPr lang="en-US" sz="2000" u="none" strike="noStrike">
                           <a:effectLst/>
                         </a:rPr>
                         <a:t>+</a:t>
                       </a:r>
-                      <a:endParaRPr lang="en-US" sz="1100" b="0" i="0" u="none" strike="noStrike">
+                      <a:endParaRPr lang="en-US" sz="2000" b="0" i="0" u="none" strike="noStrike">
                         <a:solidFill>
                           <a:srgbClr val="000000"/>
                         </a:solidFill>
@@ -32042,12 +32490,12 @@
                     <a:p>
                       <a:pPr algn="ctr" fontAlgn="b"/>
                       <a:r>
-                        <a:rPr lang="en-US" sz="1100" u="none" strike="noStrike">
+                        <a:rPr lang="en-US" sz="2000" u="none" strike="noStrike">
                           <a:effectLst/>
                         </a:rPr>
                         <a:t>+</a:t>
                       </a:r>
-                      <a:endParaRPr lang="en-US" sz="1100" b="0" i="0" u="none" strike="noStrike">
+                      <a:endParaRPr lang="en-US" sz="2000" b="0" i="0" u="none" strike="noStrike">
                         <a:solidFill>
                           <a:srgbClr val="000000"/>
                         </a:solidFill>
@@ -32065,21 +32513,21 @@
                     <a:p>
                       <a:pPr algn="ctr" fontAlgn="b"/>
                       <a:r>
-                        <a:rPr lang="en-US" sz="1100" b="0" i="0" u="none" strike="noStrike" dirty="0" smtClean="0">
+                        <a:rPr lang="en-US" sz="2000" b="0" i="0" u="none" strike="noStrike" dirty="0" smtClean="0">
                           <a:solidFill>
                             <a:srgbClr val="000000"/>
                           </a:solidFill>
                           <a:effectLst/>
-                          <a:latin typeface="Calibri" panose="020F0502020204030204" pitchFamily="34" charset="0"/>
+                          <a:latin typeface="+mn-lt"/>
                         </a:rPr>
                         <a:t>+--</a:t>
                       </a:r>
-                      <a:endParaRPr lang="en-US" sz="1100" b="0" i="0" u="none" strike="noStrike" dirty="0">
+                      <a:endParaRPr lang="en-US" sz="2000" b="0" i="0" u="none" strike="noStrike" dirty="0">
                         <a:solidFill>
                           <a:srgbClr val="000000"/>
                         </a:solidFill>
                         <a:effectLst/>
-                        <a:latin typeface="Calibri" panose="020F0502020204030204" pitchFamily="34" charset="0"/>
+                        <a:latin typeface="+mn-lt"/>
                       </a:endParaRPr>
                     </a:p>
                   </a:txBody>
@@ -32094,6 +32542,101 @@
     <p:extLst>
       <p:ext uri="{BB962C8B-B14F-4D97-AF65-F5344CB8AC3E}">
         <p14:creationId xmlns:p14="http://schemas.microsoft.com/office/powerpoint/2010/main" val="3573467287"/>
+      </p:ext>
+    </p:extLst>
+  </p:cSld>
+  <p:clrMapOvr>
+    <a:masterClrMapping/>
+  </p:clrMapOvr>
+</p:sld>
+</file>
+
+<file path=ppt/slides/slide9.xml><?xml version="1.0" encoding="utf-8"?>
+<p:sld xmlns:a="http://schemas.openxmlformats.org/drawingml/2006/main" xmlns:r="http://schemas.openxmlformats.org/officeDocument/2006/relationships" xmlns:p="http://schemas.openxmlformats.org/presentationml/2006/main">
+  <p:cSld>
+    <p:spTree>
+      <p:nvGrpSpPr>
+        <p:cNvPr id="1" name=""/>
+        <p:cNvGrpSpPr/>
+        <p:nvPr/>
+      </p:nvGrpSpPr>
+      <p:grpSpPr>
+        <a:xfrm>
+          <a:off x="0" y="0"/>
+          <a:ext cx="0" cy="0"/>
+          <a:chOff x="0" y="0"/>
+          <a:chExt cx="0" cy="0"/>
+        </a:xfrm>
+      </p:grpSpPr>
+      <p:sp>
+        <p:nvSpPr>
+          <p:cNvPr id="2" name="Title 1"/>
+          <p:cNvSpPr>
+            <a:spLocks noGrp="1"/>
+          </p:cNvSpPr>
+          <p:nvPr>
+            <p:ph type="title"/>
+          </p:nvPr>
+        </p:nvSpPr>
+        <p:spPr/>
+        <p:txBody>
+          <a:bodyPr/>
+          <a:lstStyle/>
+          <a:p>
+            <a:r>
+              <a:rPr lang="en-US" dirty="0" smtClean="0"/>
+              <a:t>References</a:t>
+            </a:r>
+            <a:endParaRPr lang="en-US" dirty="0"/>
+          </a:p>
+        </p:txBody>
+      </p:sp>
+      <p:sp>
+        <p:nvSpPr>
+          <p:cNvPr id="3" name="Rectangle 2"/>
+          <p:cNvSpPr/>
+          <p:nvPr/>
+        </p:nvSpPr>
+        <p:spPr>
+          <a:xfrm>
+            <a:off x="948743" y="1811405"/>
+            <a:ext cx="9444508" cy="646331"/>
+          </a:xfrm>
+          <a:prstGeom prst="rect">
+            <a:avLst/>
+          </a:prstGeom>
+        </p:spPr>
+        <p:txBody>
+          <a:bodyPr wrap="square">
+            <a:spAutoFit/>
+          </a:bodyPr>
+          <a:lstStyle/>
+          <a:p>
+            <a:pPr lvl="0">
+              <a:buClr>
+                <a:schemeClr val="dk1"/>
+              </a:buClr>
+              <a:buSzPts val="1100"/>
+            </a:pPr>
+            <a:r>
+              <a:rPr lang="en-US" dirty="0"/>
+              <a:t>[1] Utdallas.edu. (2018). Requirements Engineering. [online] Available at: https://www.utdallas.edu/~chung/CS4351/syllabus.htm [Accessed 27 Sep. 2018].</a:t>
+            </a:r>
+            <a:endParaRPr lang="en-US" dirty="0">
+              <a:solidFill>
+                <a:schemeClr val="dk1"/>
+              </a:solidFill>
+              <a:ea typeface="Arial"/>
+              <a:cs typeface="Arial"/>
+              <a:sym typeface="Arial"/>
+            </a:endParaRPr>
+          </a:p>
+        </p:txBody>
+      </p:sp>
+    </p:spTree>
+    <p:extLst>
+      <p:ext uri="{BB962C8B-B14F-4D97-AF65-F5344CB8AC3E}">
+        <p14:creationId xmlns:p14="http://schemas.microsoft.com/office/powerpoint/2010/main" val="475082827"/>
       </p:ext>
     </p:extLst>
   </p:cSld>
